--- a/doc/ImageClassification.pptx
+++ b/doc/ImageClassification.pptx
@@ -521,7 +521,7 @@
   <p:cSld>
     <p:spTree>
       <p:nvGrpSpPr>
-        <p:cNvPr id="135" name="Shape 135"/>
+        <p:cNvPr id="137" name="Shape 137"/>
         <p:cNvGrpSpPr/>
         <p:nvPr/>
       </p:nvGrpSpPr>
@@ -535,7 +535,7 @@
       </p:grpSpPr>
       <p:sp>
         <p:nvSpPr>
-          <p:cNvPr id="136" name="Shape 136"/>
+          <p:cNvPr id="138" name="Shape 138"/>
           <p:cNvSpPr/>
           <p:nvPr>
             <p:ph idx="2" type="sldImg"/>
@@ -569,7 +569,7 @@
       </p:sp>
       <p:sp>
         <p:nvSpPr>
-          <p:cNvPr id="137" name="Shape 137"/>
+          <p:cNvPr id="139" name="Shape 139"/>
           <p:cNvSpPr txBox="1"/>
           <p:nvPr>
             <p:ph idx="1" type="body"/>
@@ -616,7 +616,7 @@
   <p:cSld>
     <p:spTree>
       <p:nvGrpSpPr>
-        <p:cNvPr id="159" name="Shape 159"/>
+        <p:cNvPr id="161" name="Shape 161"/>
         <p:cNvGrpSpPr/>
         <p:nvPr/>
       </p:nvGrpSpPr>
@@ -630,7 +630,7 @@
       </p:grpSpPr>
       <p:sp>
         <p:nvSpPr>
-          <p:cNvPr id="160" name="Shape 160"/>
+          <p:cNvPr id="162" name="Shape 162"/>
           <p:cNvSpPr/>
           <p:nvPr>
             <p:ph idx="2" type="sldImg"/>
@@ -664,7 +664,7 @@
       </p:sp>
       <p:sp>
         <p:nvSpPr>
-          <p:cNvPr id="161" name="Shape 161"/>
+          <p:cNvPr id="163" name="Shape 163"/>
           <p:cNvSpPr txBox="1"/>
           <p:nvPr>
             <p:ph idx="1" type="body"/>
@@ -711,7 +711,7 @@
   <p:cSld>
     <p:spTree>
       <p:nvGrpSpPr>
-        <p:cNvPr id="182" name="Shape 182"/>
+        <p:cNvPr id="184" name="Shape 184"/>
         <p:cNvGrpSpPr/>
         <p:nvPr/>
       </p:nvGrpSpPr>
@@ -725,7 +725,7 @@
       </p:grpSpPr>
       <p:sp>
         <p:nvSpPr>
-          <p:cNvPr id="183" name="Shape 183"/>
+          <p:cNvPr id="185" name="Shape 185"/>
           <p:cNvSpPr/>
           <p:nvPr>
             <p:ph idx="2" type="sldImg"/>
@@ -759,7 +759,7 @@
       </p:sp>
       <p:sp>
         <p:nvSpPr>
-          <p:cNvPr id="184" name="Shape 184"/>
+          <p:cNvPr id="186" name="Shape 186"/>
           <p:cNvSpPr txBox="1"/>
           <p:nvPr>
             <p:ph idx="1" type="body"/>
@@ -806,7 +806,7 @@
   <p:cSld>
     <p:spTree>
       <p:nvGrpSpPr>
-        <p:cNvPr id="208" name="Shape 208"/>
+        <p:cNvPr id="210" name="Shape 210"/>
         <p:cNvGrpSpPr/>
         <p:nvPr/>
       </p:nvGrpSpPr>
@@ -820,7 +820,7 @@
       </p:grpSpPr>
       <p:sp>
         <p:nvSpPr>
-          <p:cNvPr id="209" name="Shape 209"/>
+          <p:cNvPr id="211" name="Shape 211"/>
           <p:cNvSpPr/>
           <p:nvPr>
             <p:ph idx="2" type="sldImg"/>
@@ -854,7 +854,7 @@
       </p:sp>
       <p:sp>
         <p:nvSpPr>
-          <p:cNvPr id="210" name="Shape 210"/>
+          <p:cNvPr id="212" name="Shape 212"/>
           <p:cNvSpPr txBox="1"/>
           <p:nvPr>
             <p:ph idx="1" type="body"/>
@@ -901,7 +901,7 @@
   <p:cSld>
     <p:spTree>
       <p:nvGrpSpPr>
-        <p:cNvPr id="214" name="Shape 214"/>
+        <p:cNvPr id="216" name="Shape 216"/>
         <p:cNvGrpSpPr/>
         <p:nvPr/>
       </p:nvGrpSpPr>
@@ -915,7 +915,7 @@
       </p:grpSpPr>
       <p:sp>
         <p:nvSpPr>
-          <p:cNvPr id="215" name="Shape 215"/>
+          <p:cNvPr id="217" name="Shape 217"/>
           <p:cNvSpPr/>
           <p:nvPr>
             <p:ph idx="2" type="sldImg"/>
@@ -949,7 +949,7 @@
       </p:sp>
       <p:sp>
         <p:nvSpPr>
-          <p:cNvPr id="216" name="Shape 216"/>
+          <p:cNvPr id="218" name="Shape 218"/>
           <p:cNvSpPr txBox="1"/>
           <p:nvPr>
             <p:ph idx="1" type="body"/>
@@ -996,7 +996,7 @@
   <p:cSld>
     <p:spTree>
       <p:nvGrpSpPr>
-        <p:cNvPr id="221" name="Shape 221"/>
+        <p:cNvPr id="223" name="Shape 223"/>
         <p:cNvGrpSpPr/>
         <p:nvPr/>
       </p:nvGrpSpPr>
@@ -1010,7 +1010,7 @@
       </p:grpSpPr>
       <p:sp>
         <p:nvSpPr>
-          <p:cNvPr id="222" name="Shape 222"/>
+          <p:cNvPr id="224" name="Shape 224"/>
           <p:cNvSpPr/>
           <p:nvPr>
             <p:ph idx="2" type="sldImg"/>
@@ -1044,7 +1044,7 @@
       </p:sp>
       <p:sp>
         <p:nvSpPr>
-          <p:cNvPr id="223" name="Shape 223"/>
+          <p:cNvPr id="225" name="Shape 225"/>
           <p:cNvSpPr txBox="1"/>
           <p:nvPr>
             <p:ph idx="1" type="body"/>
@@ -1882,7 +1882,7 @@
             </a:pPr>
             <a:r>
               <a:rPr lang="en"/>
-              <a:t>A quick explanation of HOG - Histogram of Gradients.</a:t>
+              <a:t>A quick explanation of HOG - Histogram of Oriented Gradients.</a:t>
             </a:r>
           </a:p>
           <a:p>
@@ -1972,7 +1972,7 @@
   <p:cSld>
     <p:spTree>
       <p:nvGrpSpPr>
-        <p:cNvPr id="129" name="Shape 129"/>
+        <p:cNvPr id="130" name="Shape 130"/>
         <p:cNvGrpSpPr/>
         <p:nvPr/>
       </p:nvGrpSpPr>
@@ -1986,7 +1986,7 @@
       </p:grpSpPr>
       <p:sp>
         <p:nvSpPr>
-          <p:cNvPr id="130" name="Shape 130"/>
+          <p:cNvPr id="131" name="Shape 131"/>
           <p:cNvSpPr/>
           <p:nvPr>
             <p:ph idx="2" type="sldImg"/>
@@ -2020,7 +2020,7 @@
       </p:sp>
       <p:sp>
         <p:nvSpPr>
-          <p:cNvPr id="131" name="Shape 131"/>
+          <p:cNvPr id="132" name="Shape 132"/>
           <p:cNvSpPr txBox="1"/>
           <p:nvPr>
             <p:ph idx="1" type="body"/>
@@ -5441,7 +5441,7 @@
     </p:bg>
     <p:spTree>
       <p:nvGrpSpPr>
-        <p:cNvPr id="138" name="Shape 138"/>
+        <p:cNvPr id="140" name="Shape 140"/>
         <p:cNvGrpSpPr/>
         <p:nvPr/>
       </p:nvGrpSpPr>
@@ -5455,7 +5455,7 @@
       </p:grpSpPr>
       <p:sp>
         <p:nvSpPr>
-          <p:cNvPr id="139" name="Shape 139"/>
+          <p:cNvPr id="141" name="Shape 141"/>
           <p:cNvSpPr txBox="1"/>
           <p:nvPr>
             <p:ph type="title"/>
@@ -5499,7 +5499,7 @@
       </p:sp>
       <p:sp>
         <p:nvSpPr>
-          <p:cNvPr id="140" name="Shape 140"/>
+          <p:cNvPr id="142" name="Shape 142"/>
           <p:cNvSpPr/>
           <p:nvPr/>
         </p:nvSpPr>
@@ -5543,7 +5543,7 @@
       </p:sp>
       <p:sp>
         <p:nvSpPr>
-          <p:cNvPr id="141" name="Shape 141"/>
+          <p:cNvPr id="143" name="Shape 143"/>
           <p:cNvSpPr txBox="1"/>
           <p:nvPr/>
         </p:nvSpPr>
@@ -5589,7 +5589,7 @@
       </p:sp>
       <p:sp>
         <p:nvSpPr>
-          <p:cNvPr id="142" name="Shape 142"/>
+          <p:cNvPr id="144" name="Shape 144"/>
           <p:cNvSpPr txBox="1"/>
           <p:nvPr/>
         </p:nvSpPr>
@@ -5826,7 +5826,7 @@
       </p:sp>
       <p:sp>
         <p:nvSpPr>
-          <p:cNvPr id="143" name="Shape 143"/>
+          <p:cNvPr id="145" name="Shape 145"/>
           <p:cNvSpPr/>
           <p:nvPr/>
         </p:nvSpPr>
@@ -5870,7 +5870,7 @@
       </p:sp>
       <p:sp>
         <p:nvSpPr>
-          <p:cNvPr id="144" name="Shape 144"/>
+          <p:cNvPr id="146" name="Shape 146"/>
           <p:cNvSpPr txBox="1"/>
           <p:nvPr/>
         </p:nvSpPr>
@@ -5936,7 +5936,7 @@
       </p:sp>
       <p:sp>
         <p:nvSpPr>
-          <p:cNvPr id="145" name="Shape 145"/>
+          <p:cNvPr id="147" name="Shape 147"/>
           <p:cNvSpPr txBox="1"/>
           <p:nvPr/>
         </p:nvSpPr>
@@ -6173,7 +6173,7 @@
       </p:sp>
       <p:sp>
         <p:nvSpPr>
-          <p:cNvPr id="146" name="Shape 146"/>
+          <p:cNvPr id="148" name="Shape 148"/>
           <p:cNvSpPr/>
           <p:nvPr/>
         </p:nvSpPr>
@@ -6217,7 +6217,7 @@
       </p:sp>
       <p:sp>
         <p:nvSpPr>
-          <p:cNvPr id="147" name="Shape 147"/>
+          <p:cNvPr id="149" name="Shape 149"/>
           <p:cNvSpPr txBox="1"/>
           <p:nvPr/>
         </p:nvSpPr>
@@ -6286,7 +6286,7 @@
       </p:sp>
       <p:sp>
         <p:nvSpPr>
-          <p:cNvPr id="148" name="Shape 148"/>
+          <p:cNvPr id="150" name="Shape 150"/>
           <p:cNvSpPr txBox="1"/>
           <p:nvPr/>
         </p:nvSpPr>
@@ -6523,7 +6523,7 @@
       </p:sp>
       <p:sp>
         <p:nvSpPr>
-          <p:cNvPr id="149" name="Shape 149"/>
+          <p:cNvPr id="151" name="Shape 151"/>
           <p:cNvSpPr/>
           <p:nvPr/>
         </p:nvSpPr>
@@ -6567,7 +6567,7 @@
       </p:sp>
       <p:sp>
         <p:nvSpPr>
-          <p:cNvPr id="150" name="Shape 150"/>
+          <p:cNvPr id="152" name="Shape 152"/>
           <p:cNvSpPr txBox="1"/>
           <p:nvPr/>
         </p:nvSpPr>
@@ -6613,7 +6613,7 @@
       </p:sp>
       <p:sp>
         <p:nvSpPr>
-          <p:cNvPr id="151" name="Shape 151"/>
+          <p:cNvPr id="153" name="Shape 153"/>
           <p:cNvSpPr txBox="1"/>
           <p:nvPr/>
         </p:nvSpPr>
@@ -6850,7 +6850,7 @@
       </p:sp>
       <p:sp>
         <p:nvSpPr>
-          <p:cNvPr id="152" name="Shape 152"/>
+          <p:cNvPr id="154" name="Shape 154"/>
           <p:cNvSpPr/>
           <p:nvPr/>
         </p:nvSpPr>
@@ -6894,7 +6894,7 @@
       </p:sp>
       <p:sp>
         <p:nvSpPr>
-          <p:cNvPr id="153" name="Shape 153"/>
+          <p:cNvPr id="155" name="Shape 155"/>
           <p:cNvSpPr txBox="1"/>
           <p:nvPr/>
         </p:nvSpPr>
@@ -6940,7 +6940,7 @@
       </p:sp>
       <p:sp>
         <p:nvSpPr>
-          <p:cNvPr id="154" name="Shape 154"/>
+          <p:cNvPr id="156" name="Shape 156"/>
           <p:cNvSpPr txBox="1"/>
           <p:nvPr/>
         </p:nvSpPr>
@@ -7177,7 +7177,7 @@
       </p:sp>
       <p:sp>
         <p:nvSpPr>
-          <p:cNvPr id="155" name="Shape 155"/>
+          <p:cNvPr id="157" name="Shape 157"/>
           <p:cNvSpPr/>
           <p:nvPr/>
         </p:nvSpPr>
@@ -7221,7 +7221,7 @@
       </p:sp>
       <p:sp>
         <p:nvSpPr>
-          <p:cNvPr id="156" name="Shape 156"/>
+          <p:cNvPr id="158" name="Shape 158"/>
           <p:cNvSpPr txBox="1"/>
           <p:nvPr/>
         </p:nvSpPr>
@@ -7267,7 +7267,7 @@
       </p:sp>
       <p:sp>
         <p:nvSpPr>
-          <p:cNvPr id="157" name="Shape 157"/>
+          <p:cNvPr id="159" name="Shape 159"/>
           <p:cNvSpPr txBox="1"/>
           <p:nvPr/>
         </p:nvSpPr>
@@ -7504,7 +7504,7 @@
       </p:sp>
       <p:sp>
         <p:nvSpPr>
-          <p:cNvPr id="158" name="Shape 158"/>
+          <p:cNvPr id="160" name="Shape 160"/>
           <p:cNvSpPr/>
           <p:nvPr/>
         </p:nvSpPr>
@@ -7568,7 +7568,7 @@
     </p:bg>
     <p:spTree>
       <p:nvGrpSpPr>
-        <p:cNvPr id="162" name="Shape 162"/>
+        <p:cNvPr id="164" name="Shape 164"/>
         <p:cNvGrpSpPr/>
         <p:nvPr/>
       </p:nvGrpSpPr>
@@ -7582,7 +7582,7 @@
       </p:grpSpPr>
       <p:sp>
         <p:nvSpPr>
-          <p:cNvPr id="163" name="Shape 163"/>
+          <p:cNvPr id="165" name="Shape 165"/>
           <p:cNvSpPr txBox="1"/>
           <p:nvPr>
             <p:ph type="title"/>
@@ -7626,7 +7626,7 @@
       </p:sp>
       <p:sp>
         <p:nvSpPr>
-          <p:cNvPr id="164" name="Shape 164"/>
+          <p:cNvPr id="166" name="Shape 166"/>
           <p:cNvSpPr/>
           <p:nvPr/>
         </p:nvSpPr>
@@ -7670,7 +7670,7 @@
       </p:sp>
       <p:sp>
         <p:nvSpPr>
-          <p:cNvPr id="165" name="Shape 165"/>
+          <p:cNvPr id="167" name="Shape 167"/>
           <p:cNvSpPr txBox="1"/>
           <p:nvPr/>
         </p:nvSpPr>
@@ -7716,7 +7716,7 @@
       </p:sp>
       <p:sp>
         <p:nvSpPr>
-          <p:cNvPr id="166" name="Shape 166"/>
+          <p:cNvPr id="168" name="Shape 168"/>
           <p:cNvSpPr txBox="1"/>
           <p:nvPr/>
         </p:nvSpPr>
@@ -7965,7 +7965,7 @@
       </p:sp>
       <p:sp>
         <p:nvSpPr>
-          <p:cNvPr id="167" name="Shape 167"/>
+          <p:cNvPr id="169" name="Shape 169"/>
           <p:cNvSpPr/>
           <p:nvPr/>
         </p:nvSpPr>
@@ -8009,7 +8009,7 @@
       </p:sp>
       <p:sp>
         <p:nvSpPr>
-          <p:cNvPr id="168" name="Shape 168"/>
+          <p:cNvPr id="170" name="Shape 170"/>
           <p:cNvSpPr txBox="1"/>
           <p:nvPr/>
         </p:nvSpPr>
@@ -8075,7 +8075,7 @@
       </p:sp>
       <p:sp>
         <p:nvSpPr>
-          <p:cNvPr id="169" name="Shape 169"/>
+          <p:cNvPr id="171" name="Shape 171"/>
           <p:cNvSpPr txBox="1"/>
           <p:nvPr/>
         </p:nvSpPr>
@@ -8312,7 +8312,7 @@
       </p:sp>
       <p:sp>
         <p:nvSpPr>
-          <p:cNvPr id="170" name="Shape 170"/>
+          <p:cNvPr id="172" name="Shape 172"/>
           <p:cNvSpPr/>
           <p:nvPr/>
         </p:nvSpPr>
@@ -8356,7 +8356,7 @@
       </p:sp>
       <p:sp>
         <p:nvSpPr>
-          <p:cNvPr id="171" name="Shape 171"/>
+          <p:cNvPr id="173" name="Shape 173"/>
           <p:cNvSpPr txBox="1"/>
           <p:nvPr/>
         </p:nvSpPr>
@@ -8425,7 +8425,7 @@
       </p:sp>
       <p:sp>
         <p:nvSpPr>
-          <p:cNvPr id="172" name="Shape 172"/>
+          <p:cNvPr id="174" name="Shape 174"/>
           <p:cNvSpPr txBox="1"/>
           <p:nvPr/>
         </p:nvSpPr>
@@ -8662,7 +8662,7 @@
       </p:sp>
       <p:sp>
         <p:nvSpPr>
-          <p:cNvPr id="173" name="Shape 173"/>
+          <p:cNvPr id="175" name="Shape 175"/>
           <p:cNvSpPr/>
           <p:nvPr/>
         </p:nvSpPr>
@@ -8706,7 +8706,7 @@
       </p:sp>
       <p:sp>
         <p:nvSpPr>
-          <p:cNvPr id="174" name="Shape 174"/>
+          <p:cNvPr id="176" name="Shape 176"/>
           <p:cNvSpPr txBox="1"/>
           <p:nvPr/>
         </p:nvSpPr>
@@ -8752,7 +8752,7 @@
       </p:sp>
       <p:sp>
         <p:nvSpPr>
-          <p:cNvPr id="175" name="Shape 175"/>
+          <p:cNvPr id="177" name="Shape 177"/>
           <p:cNvSpPr txBox="1"/>
           <p:nvPr/>
         </p:nvSpPr>
@@ -8989,7 +8989,7 @@
       </p:sp>
       <p:sp>
         <p:nvSpPr>
-          <p:cNvPr id="176" name="Shape 176"/>
+          <p:cNvPr id="178" name="Shape 178"/>
           <p:cNvSpPr/>
           <p:nvPr/>
         </p:nvSpPr>
@@ -9033,7 +9033,7 @@
       </p:sp>
       <p:sp>
         <p:nvSpPr>
-          <p:cNvPr id="177" name="Shape 177"/>
+          <p:cNvPr id="179" name="Shape 179"/>
           <p:cNvSpPr txBox="1"/>
           <p:nvPr/>
         </p:nvSpPr>
@@ -9079,7 +9079,7 @@
       </p:sp>
       <p:sp>
         <p:nvSpPr>
-          <p:cNvPr id="178" name="Shape 178"/>
+          <p:cNvPr id="180" name="Shape 180"/>
           <p:cNvSpPr txBox="1"/>
           <p:nvPr/>
         </p:nvSpPr>
@@ -9316,7 +9316,7 @@
       </p:sp>
       <p:sp>
         <p:nvSpPr>
-          <p:cNvPr id="179" name="Shape 179"/>
+          <p:cNvPr id="181" name="Shape 181"/>
           <p:cNvSpPr/>
           <p:nvPr/>
         </p:nvSpPr>
@@ -9360,7 +9360,7 @@
       </p:sp>
       <p:sp>
         <p:nvSpPr>
-          <p:cNvPr id="180" name="Shape 180"/>
+          <p:cNvPr id="182" name="Shape 182"/>
           <p:cNvSpPr txBox="1"/>
           <p:nvPr/>
         </p:nvSpPr>
@@ -9406,7 +9406,7 @@
       </p:sp>
       <p:sp>
         <p:nvSpPr>
-          <p:cNvPr id="181" name="Shape 181"/>
+          <p:cNvPr id="183" name="Shape 183"/>
           <p:cNvSpPr txBox="1"/>
           <p:nvPr/>
         </p:nvSpPr>
@@ -9661,7 +9661,7 @@
     </p:bg>
     <p:spTree>
       <p:nvGrpSpPr>
-        <p:cNvPr id="185" name="Shape 185"/>
+        <p:cNvPr id="187" name="Shape 187"/>
         <p:cNvGrpSpPr/>
         <p:nvPr/>
       </p:nvGrpSpPr>
@@ -9675,7 +9675,7 @@
       </p:grpSpPr>
       <p:sp>
         <p:nvSpPr>
-          <p:cNvPr id="186" name="Shape 186"/>
+          <p:cNvPr id="188" name="Shape 188"/>
           <p:cNvSpPr txBox="1"/>
           <p:nvPr>
             <p:ph type="title"/>
@@ -9719,7 +9719,7 @@
       </p:sp>
       <p:sp>
         <p:nvSpPr>
-          <p:cNvPr id="187" name="Shape 187"/>
+          <p:cNvPr id="189" name="Shape 189"/>
           <p:cNvSpPr/>
           <p:nvPr/>
         </p:nvSpPr>
@@ -9763,7 +9763,7 @@
       </p:sp>
       <p:sp>
         <p:nvSpPr>
-          <p:cNvPr id="188" name="Shape 188"/>
+          <p:cNvPr id="190" name="Shape 190"/>
           <p:cNvSpPr txBox="1"/>
           <p:nvPr/>
         </p:nvSpPr>
@@ -9809,7 +9809,7 @@
       </p:sp>
       <p:sp>
         <p:nvSpPr>
-          <p:cNvPr id="189" name="Shape 189"/>
+          <p:cNvPr id="191" name="Shape 191"/>
           <p:cNvSpPr txBox="1"/>
           <p:nvPr/>
         </p:nvSpPr>
@@ -10046,7 +10046,7 @@
       </p:sp>
       <p:sp>
         <p:nvSpPr>
-          <p:cNvPr id="190" name="Shape 190"/>
+          <p:cNvPr id="192" name="Shape 192"/>
           <p:cNvSpPr/>
           <p:nvPr/>
         </p:nvSpPr>
@@ -10090,7 +10090,7 @@
       </p:sp>
       <p:sp>
         <p:nvSpPr>
-          <p:cNvPr id="191" name="Shape 191"/>
+          <p:cNvPr id="193" name="Shape 193"/>
           <p:cNvSpPr txBox="1"/>
           <p:nvPr/>
         </p:nvSpPr>
@@ -10156,7 +10156,7 @@
       </p:sp>
       <p:sp>
         <p:nvSpPr>
-          <p:cNvPr id="192" name="Shape 192"/>
+          <p:cNvPr id="194" name="Shape 194"/>
           <p:cNvSpPr txBox="1"/>
           <p:nvPr/>
         </p:nvSpPr>
@@ -10393,7 +10393,7 @@
       </p:sp>
       <p:sp>
         <p:nvSpPr>
-          <p:cNvPr id="193" name="Shape 193"/>
+          <p:cNvPr id="195" name="Shape 195"/>
           <p:cNvSpPr/>
           <p:nvPr/>
         </p:nvSpPr>
@@ -10437,7 +10437,7 @@
       </p:sp>
       <p:sp>
         <p:nvSpPr>
-          <p:cNvPr id="194" name="Shape 194"/>
+          <p:cNvPr id="196" name="Shape 196"/>
           <p:cNvSpPr txBox="1"/>
           <p:nvPr/>
         </p:nvSpPr>
@@ -10506,7 +10506,7 @@
       </p:sp>
       <p:sp>
         <p:nvSpPr>
-          <p:cNvPr id="195" name="Shape 195"/>
+          <p:cNvPr id="197" name="Shape 197"/>
           <p:cNvSpPr txBox="1"/>
           <p:nvPr/>
         </p:nvSpPr>
@@ -10743,7 +10743,7 @@
       </p:sp>
       <p:sp>
         <p:nvSpPr>
-          <p:cNvPr id="196" name="Shape 196"/>
+          <p:cNvPr id="198" name="Shape 198"/>
           <p:cNvSpPr/>
           <p:nvPr/>
         </p:nvSpPr>
@@ -10787,7 +10787,7 @@
       </p:sp>
       <p:sp>
         <p:nvSpPr>
-          <p:cNvPr id="197" name="Shape 197"/>
+          <p:cNvPr id="199" name="Shape 199"/>
           <p:cNvSpPr txBox="1"/>
           <p:nvPr/>
         </p:nvSpPr>
@@ -10833,7 +10833,7 @@
       </p:sp>
       <p:sp>
         <p:nvSpPr>
-          <p:cNvPr id="198" name="Shape 198"/>
+          <p:cNvPr id="200" name="Shape 200"/>
           <p:cNvSpPr txBox="1"/>
           <p:nvPr/>
         </p:nvSpPr>
@@ -11070,7 +11070,7 @@
       </p:sp>
       <p:sp>
         <p:nvSpPr>
-          <p:cNvPr id="199" name="Shape 199"/>
+          <p:cNvPr id="201" name="Shape 201"/>
           <p:cNvSpPr/>
           <p:nvPr/>
         </p:nvSpPr>
@@ -11114,7 +11114,7 @@
       </p:sp>
       <p:sp>
         <p:nvSpPr>
-          <p:cNvPr id="200" name="Shape 200"/>
+          <p:cNvPr id="202" name="Shape 202"/>
           <p:cNvSpPr txBox="1"/>
           <p:nvPr/>
         </p:nvSpPr>
@@ -11160,7 +11160,7 @@
       </p:sp>
       <p:sp>
         <p:nvSpPr>
-          <p:cNvPr id="201" name="Shape 201"/>
+          <p:cNvPr id="203" name="Shape 203"/>
           <p:cNvSpPr txBox="1"/>
           <p:nvPr/>
         </p:nvSpPr>
@@ -11397,7 +11397,7 @@
       </p:sp>
       <p:sp>
         <p:nvSpPr>
-          <p:cNvPr id="202" name="Shape 202"/>
+          <p:cNvPr id="204" name="Shape 204"/>
           <p:cNvSpPr/>
           <p:nvPr/>
         </p:nvSpPr>
@@ -11441,7 +11441,7 @@
       </p:sp>
       <p:sp>
         <p:nvSpPr>
-          <p:cNvPr id="203" name="Shape 203"/>
+          <p:cNvPr id="205" name="Shape 205"/>
           <p:cNvSpPr txBox="1"/>
           <p:nvPr/>
         </p:nvSpPr>
@@ -11487,7 +11487,7 @@
       </p:sp>
       <p:sp>
         <p:nvSpPr>
-          <p:cNvPr id="204" name="Shape 204"/>
+          <p:cNvPr id="206" name="Shape 206"/>
           <p:cNvSpPr txBox="1"/>
           <p:nvPr/>
         </p:nvSpPr>
@@ -11724,7 +11724,7 @@
       </p:sp>
       <p:sp>
         <p:nvSpPr>
-          <p:cNvPr id="205" name="Shape 205"/>
+          <p:cNvPr id="207" name="Shape 207"/>
           <p:cNvSpPr/>
           <p:nvPr/>
         </p:nvSpPr>
@@ -11770,7 +11770,7 @@
       </p:sp>
       <p:sp>
         <p:nvSpPr>
-          <p:cNvPr id="206" name="Shape 206"/>
+          <p:cNvPr id="208" name="Shape 208"/>
           <p:cNvSpPr/>
           <p:nvPr/>
         </p:nvSpPr>
@@ -11816,7 +11816,7 @@
       </p:sp>
       <p:sp>
         <p:nvSpPr>
-          <p:cNvPr id="207" name="Shape 207"/>
+          <p:cNvPr id="209" name="Shape 209"/>
           <p:cNvSpPr/>
           <p:nvPr/>
         </p:nvSpPr>
@@ -11880,7 +11880,7 @@
     </p:bg>
     <p:spTree>
       <p:nvGrpSpPr>
-        <p:cNvPr id="211" name="Shape 211"/>
+        <p:cNvPr id="213" name="Shape 213"/>
         <p:cNvGrpSpPr/>
         <p:nvPr/>
       </p:nvGrpSpPr>
@@ -11894,7 +11894,7 @@
       </p:grpSpPr>
       <p:sp>
         <p:nvSpPr>
-          <p:cNvPr id="212" name="Shape 212"/>
+          <p:cNvPr id="214" name="Shape 214"/>
           <p:cNvSpPr txBox="1"/>
           <p:nvPr>
             <p:ph type="title"/>
@@ -11938,7 +11938,7 @@
       </p:sp>
       <p:sp>
         <p:nvSpPr>
-          <p:cNvPr id="213" name="Shape 213"/>
+          <p:cNvPr id="215" name="Shape 215"/>
           <p:cNvSpPr txBox="1"/>
           <p:nvPr>
             <p:ph idx="1" type="body"/>
@@ -12092,7 +12092,7 @@
     </p:bg>
     <p:spTree>
       <p:nvGrpSpPr>
-        <p:cNvPr id="217" name="Shape 217"/>
+        <p:cNvPr id="219" name="Shape 219"/>
         <p:cNvGrpSpPr/>
         <p:nvPr/>
       </p:nvGrpSpPr>
@@ -12106,7 +12106,7 @@
       </p:grpSpPr>
       <p:sp>
         <p:nvSpPr>
-          <p:cNvPr id="218" name="Shape 218"/>
+          <p:cNvPr id="220" name="Shape 220"/>
           <p:cNvSpPr txBox="1"/>
           <p:nvPr>
             <p:ph type="title"/>
@@ -12150,7 +12150,7 @@
       </p:sp>
       <p:sp>
         <p:nvSpPr>
-          <p:cNvPr id="219" name="Shape 219"/>
+          <p:cNvPr id="221" name="Shape 221"/>
           <p:cNvSpPr txBox="1"/>
           <p:nvPr>
             <p:ph idx="1" type="body"/>
@@ -12239,7 +12239,7 @@
       </p:sp>
       <p:pic>
         <p:nvPicPr>
-          <p:cNvPr id="220" name="Shape 220"/>
+          <p:cNvPr id="222" name="Shape 222"/>
           <p:cNvPicPr preferRelativeResize="0"/>
           <p:nvPr/>
         </p:nvPicPr>
@@ -12285,7 +12285,7 @@
     </p:bg>
     <p:spTree>
       <p:nvGrpSpPr>
-        <p:cNvPr id="224" name="Shape 224"/>
+        <p:cNvPr id="226" name="Shape 226"/>
         <p:cNvGrpSpPr/>
         <p:nvPr/>
       </p:nvGrpSpPr>
@@ -12299,7 +12299,7 @@
       </p:grpSpPr>
       <p:sp>
         <p:nvSpPr>
-          <p:cNvPr id="225" name="Shape 225"/>
+          <p:cNvPr id="227" name="Shape 227"/>
           <p:cNvSpPr txBox="1"/>
           <p:nvPr/>
         </p:nvSpPr>
@@ -12378,7 +12378,7 @@
       </p:sp>
       <p:pic>
         <p:nvPicPr>
-          <p:cNvPr descr="doggo.jpg" id="226" name="Shape 226"/>
+          <p:cNvPr descr="doggo.jpg" id="228" name="Shape 228"/>
           <p:cNvPicPr preferRelativeResize="0"/>
           <p:nvPr/>
         </p:nvPicPr>
@@ -12405,7 +12405,7 @@
       </p:pic>
       <p:sp>
         <p:nvSpPr>
-          <p:cNvPr id="227" name="Shape 227"/>
+          <p:cNvPr id="229" name="Shape 229"/>
           <p:cNvSpPr txBox="1"/>
           <p:nvPr>
             <p:ph type="title"/>
@@ -12982,7 +12982,7 @@
                 <a:cs typeface="Open Sans Light"/>
                 <a:sym typeface="Open Sans Light"/>
               </a:rPr>
-              <a:t>25% as Testing Data</a:t>
+              <a:t>25% Testing</a:t>
             </a:r>
           </a:p>
           <a:p>
@@ -14758,7 +14758,7 @@
                 <a:cs typeface="Open Sans SemiBold"/>
                 <a:sym typeface="Open Sans SemiBold"/>
               </a:rPr>
-              <a:t>HOG - Histogram of Gradients</a:t>
+              <a:t>HOG - Histogram of Oriented Gradients</a:t>
             </a:r>
           </a:p>
         </p:txBody>
@@ -14791,6 +14791,52 @@
           </a:ln>
         </p:spPr>
       </p:pic>
+      <p:sp>
+        <p:nvSpPr>
+          <p:cNvPr id="129" name="Shape 129"/>
+          <p:cNvSpPr txBox="1"/>
+          <p:nvPr/>
+        </p:nvSpPr>
+        <p:spPr>
+          <a:xfrm>
+            <a:off x="3613950" y="4838700"/>
+            <a:ext cx="1916100" cy="192900"/>
+          </a:xfrm>
+          <a:prstGeom prst="rect">
+            <a:avLst/>
+          </a:prstGeom>
+          <a:noFill/>
+          <a:ln>
+            <a:noFill/>
+          </a:ln>
+        </p:spPr>
+        <p:txBody>
+          <a:bodyPr anchorCtr="0" anchor="t" bIns="91425" lIns="91425" rIns="91425" wrap="square" tIns="91425">
+            <a:noAutofit/>
+          </a:bodyPr>
+          <a:lstStyle/>
+          <a:p>
+            <a:pPr lvl="0" algn="ctr">
+              <a:spcBef>
+                <a:spcPts val="0"/>
+              </a:spcBef>
+              <a:buNone/>
+            </a:pPr>
+            <a:r>
+              <a:rPr lang="en" sz="1000">
+                <a:solidFill>
+                  <a:schemeClr val="accent1"/>
+                </a:solidFill>
+                <a:latin typeface="Open Sans"/>
+                <a:ea typeface="Open Sans"/>
+                <a:cs typeface="Open Sans"/>
+                <a:sym typeface="Open Sans"/>
+              </a:rPr>
+              <a:t>Saya Malick, Learn OpenCV</a:t>
+            </a:r>
+          </a:p>
+        </p:txBody>
+      </p:sp>
     </p:spTree>
   </p:cSld>
   <p:clrMapOvr>
@@ -14811,7 +14857,7 @@
     </p:bg>
     <p:spTree>
       <p:nvGrpSpPr>
-        <p:cNvPr id="132" name="Shape 132"/>
+        <p:cNvPr id="133" name="Shape 133"/>
         <p:cNvGrpSpPr/>
         <p:nvPr/>
       </p:nvGrpSpPr>
@@ -14825,7 +14871,7 @@
       </p:grpSpPr>
       <p:sp>
         <p:nvSpPr>
-          <p:cNvPr id="133" name="Shape 133"/>
+          <p:cNvPr id="134" name="Shape 134"/>
           <p:cNvSpPr txBox="1"/>
           <p:nvPr>
             <p:ph type="title"/>
@@ -14869,7 +14915,7 @@
       </p:sp>
       <p:pic>
         <p:nvPicPr>
-          <p:cNvPr id="134" name="Shape 134"/>
+          <p:cNvPr id="135" name="Shape 135"/>
           <p:cNvPicPr preferRelativeResize="0"/>
           <p:nvPr/>
         </p:nvPicPr>
@@ -14895,6 +14941,52 @@
           </a:ln>
         </p:spPr>
       </p:pic>
+      <p:sp>
+        <p:nvSpPr>
+          <p:cNvPr id="136" name="Shape 136"/>
+          <p:cNvSpPr txBox="1"/>
+          <p:nvPr/>
+        </p:nvSpPr>
+        <p:spPr>
+          <a:xfrm>
+            <a:off x="3613950" y="4838700"/>
+            <a:ext cx="1916100" cy="192900"/>
+          </a:xfrm>
+          <a:prstGeom prst="rect">
+            <a:avLst/>
+          </a:prstGeom>
+          <a:noFill/>
+          <a:ln>
+            <a:noFill/>
+          </a:ln>
+        </p:spPr>
+        <p:txBody>
+          <a:bodyPr anchorCtr="0" anchor="t" bIns="91425" lIns="91425" rIns="91425" wrap="square" tIns="91425">
+            <a:noAutofit/>
+          </a:bodyPr>
+          <a:lstStyle/>
+          <a:p>
+            <a:pPr lvl="0" rtl="0" algn="ctr">
+              <a:spcBef>
+                <a:spcPts val="0"/>
+              </a:spcBef>
+              <a:buNone/>
+            </a:pPr>
+            <a:r>
+              <a:rPr lang="en" sz="1000">
+                <a:solidFill>
+                  <a:schemeClr val="accent1"/>
+                </a:solidFill>
+                <a:latin typeface="Open Sans"/>
+                <a:ea typeface="Open Sans"/>
+                <a:cs typeface="Open Sans"/>
+                <a:sym typeface="Open Sans"/>
+              </a:rPr>
+              <a:t>Saya Malick, Learn OpenCV</a:t>
+            </a:r>
+          </a:p>
+        </p:txBody>
+      </p:sp>
     </p:spTree>
   </p:cSld>
   <p:clrMapOvr>
